--- a/Security/Network Security-Cryptography.pptx
+++ b/Security/Network Security-Cryptography.pptx
@@ -5,7 +5,7 @@
     <p:sldMasterId id="2147483648" r:id="rId1"/>
   </p:sldMasterIdLst>
   <p:notesMasterIdLst>
-    <p:notesMasterId r:id="rId35"/>
+    <p:notesMasterId r:id="rId36"/>
   </p:notesMasterIdLst>
   <p:sldIdLst>
     <p:sldId id="341" r:id="rId2"/>
@@ -38,9 +38,10 @@
     <p:sldId id="443" r:id="rId29"/>
     <p:sldId id="522" r:id="rId30"/>
     <p:sldId id="423" r:id="rId31"/>
-    <p:sldId id="532" r:id="rId32"/>
-    <p:sldId id="527" r:id="rId33"/>
-    <p:sldId id="514" r:id="rId34"/>
+    <p:sldId id="534" r:id="rId32"/>
+    <p:sldId id="532" r:id="rId33"/>
+    <p:sldId id="527" r:id="rId34"/>
+    <p:sldId id="514" r:id="rId35"/>
   </p:sldIdLst>
   <p:sldSz cx="9144000" cy="6858000" type="screen4x3"/>
   <p:notesSz cx="6858000" cy="9144000"/>
@@ -2543,21 +2544,21 @@
     </dgm:pt>
   </dgm:ptLst>
   <dgm:cxnLst>
+    <dgm:cxn modelId="{B904DF94-A797-4A34-AD80-BF275A9B864D}" type="presOf" srcId="{26B1E085-C0CB-4105-A69D-D06153DC19C2}" destId="{C417F83A-C64D-4762-A125-2E996CE95132}" srcOrd="0" destOrd="0" presId="urn:microsoft.com/office/officeart/2005/8/layout/hierarchy1"/>
+    <dgm:cxn modelId="{BD0E4C62-F435-414E-805C-4BAA6AE2CCFF}" srcId="{83904B27-1287-4141-BDD0-9F0B6FC7D556}" destId="{AFFDDA59-7E39-41A3-AAA6-1FA4FC279FDB}" srcOrd="1" destOrd="0" parTransId="{5E00E8B0-EBE8-43F6-BFD7-A830394919D1}" sibTransId="{BE114E5B-4DB6-44FA-B3DE-90AA580BDF72}"/>
+    <dgm:cxn modelId="{C1EF9252-E0A5-4BE8-9B24-BD6E5FAC6D61}" type="presOf" srcId="{B8CD9A51-2454-4D6D-839F-C363D1F4D704}" destId="{9EA5110D-D2E3-454D-BD07-536681CC9D4A}" srcOrd="0" destOrd="0" presId="urn:microsoft.com/office/officeart/2005/8/layout/hierarchy1"/>
+    <dgm:cxn modelId="{0DC40894-D2CD-46B4-8086-D4E75C6EC639}" type="presOf" srcId="{4811B24A-D448-4867-8068-658360084CB4}" destId="{30F55B31-36E5-4B25-9FE6-B7D1EC3E7521}" srcOrd="0" destOrd="0" presId="urn:microsoft.com/office/officeart/2005/8/layout/hierarchy1"/>
+    <dgm:cxn modelId="{26CC1BB2-9D6C-4499-82F5-F40131977B7A}" type="presOf" srcId="{E2B1AF18-9CA8-4D20-B98C-4141B0A0E3AF}" destId="{8E9B99EB-6015-4D9D-9F86-004340378DDD}" srcOrd="0" destOrd="0" presId="urn:microsoft.com/office/officeart/2005/8/layout/hierarchy1"/>
+    <dgm:cxn modelId="{908DEFEA-5B0B-4681-8EF6-CF26D5F4A364}" srcId="{83904B27-1287-4141-BDD0-9F0B6FC7D556}" destId="{4811B24A-D448-4867-8068-658360084CB4}" srcOrd="0" destOrd="0" parTransId="{721C24C2-D799-48FD-AD26-4C508E5F5FC6}" sibTransId="{B8CE5BDF-0CAC-4E44-A1B4-96A14EE72263}"/>
+    <dgm:cxn modelId="{06046BB9-742C-42B7-AEBD-CCCD6EDDE81F}" type="presOf" srcId="{DD362240-FFC5-4C76-B923-87F8318719ED}" destId="{C244CDFD-82C1-49D0-AF90-89EBB3595CB3}" srcOrd="0" destOrd="0" presId="urn:microsoft.com/office/officeart/2005/8/layout/hierarchy1"/>
+    <dgm:cxn modelId="{F582A50A-59C4-409F-B70C-15CD654E2340}" srcId="{4811B24A-D448-4867-8068-658360084CB4}" destId="{26B1E085-C0CB-4105-A69D-D06153DC19C2}" srcOrd="0" destOrd="0" parTransId="{B8CD9A51-2454-4D6D-839F-C363D1F4D704}" sibTransId="{202AC5A4-097B-40DA-939D-DAC6C4ECE4F8}"/>
+    <dgm:cxn modelId="{F3D41769-C6DA-4BD4-87D4-B901A24C635C}" srcId="{BBC079AB-A49A-439A-A644-69D3854BAB76}" destId="{83904B27-1287-4141-BDD0-9F0B6FC7D556}" srcOrd="0" destOrd="0" parTransId="{BEB47B96-EC86-46DB-A905-21054F9233FC}" sibTransId="{63307484-12CC-4E15-8C3A-FAA0775BE26B}"/>
+    <dgm:cxn modelId="{ACA65874-D664-4167-B3F9-8BC9FA5B8421}" type="presOf" srcId="{83904B27-1287-4141-BDD0-9F0B6FC7D556}" destId="{8D6DEB88-06C2-4BD1-AFA6-3EC7E17E2E52}" srcOrd="0" destOrd="0" presId="urn:microsoft.com/office/officeart/2005/8/layout/hierarchy1"/>
+    <dgm:cxn modelId="{3826AA14-814D-4E5D-92F6-F4F8CDC971B1}" srcId="{4811B24A-D448-4867-8068-658360084CB4}" destId="{E2B1AF18-9CA8-4D20-B98C-4141B0A0E3AF}" srcOrd="1" destOrd="0" parTransId="{DD362240-FFC5-4C76-B923-87F8318719ED}" sibTransId="{7143226E-D5B6-4380-BE92-62FF20EE68C8}"/>
+    <dgm:cxn modelId="{5A6A9CE8-4635-467E-BE38-23E689561294}" type="presOf" srcId="{5E00E8B0-EBE8-43F6-BFD7-A830394919D1}" destId="{60599D8E-109B-4266-A088-E48E35EF2F2D}" srcOrd="0" destOrd="0" presId="urn:microsoft.com/office/officeart/2005/8/layout/hierarchy1"/>
     <dgm:cxn modelId="{98620CF8-04DB-42B7-AFAB-1EE7DC603795}" type="presOf" srcId="{BBC079AB-A49A-439A-A644-69D3854BAB76}" destId="{D9C9A19F-1785-4CFC-A46A-91266A6EE4D3}" srcOrd="0" destOrd="0" presId="urn:microsoft.com/office/officeart/2005/8/layout/hierarchy1"/>
-    <dgm:cxn modelId="{C1EF9252-E0A5-4BE8-9B24-BD6E5FAC6D61}" type="presOf" srcId="{B8CD9A51-2454-4D6D-839F-C363D1F4D704}" destId="{9EA5110D-D2E3-454D-BD07-536681CC9D4A}" srcOrd="0" destOrd="0" presId="urn:microsoft.com/office/officeart/2005/8/layout/hierarchy1"/>
+    <dgm:cxn modelId="{B664A088-951E-46CB-91CC-F7A3AECE18ED}" type="presOf" srcId="{AFFDDA59-7E39-41A3-AAA6-1FA4FC279FDB}" destId="{45BE6A94-F869-4ADF-86C3-0C57CE38132C}" srcOrd="0" destOrd="0" presId="urn:microsoft.com/office/officeart/2005/8/layout/hierarchy1"/>
     <dgm:cxn modelId="{14B87F5D-4C29-40D3-81BA-8D3A6B238801}" type="presOf" srcId="{721C24C2-D799-48FD-AD26-4C508E5F5FC6}" destId="{B0AD3498-AA24-4581-827B-4E1B86ED2A50}" srcOrd="0" destOrd="0" presId="urn:microsoft.com/office/officeart/2005/8/layout/hierarchy1"/>
-    <dgm:cxn modelId="{BD0E4C62-F435-414E-805C-4BAA6AE2CCFF}" srcId="{83904B27-1287-4141-BDD0-9F0B6FC7D556}" destId="{AFFDDA59-7E39-41A3-AAA6-1FA4FC279FDB}" srcOrd="1" destOrd="0" parTransId="{5E00E8B0-EBE8-43F6-BFD7-A830394919D1}" sibTransId="{BE114E5B-4DB6-44FA-B3DE-90AA580BDF72}"/>
-    <dgm:cxn modelId="{B904DF94-A797-4A34-AD80-BF275A9B864D}" type="presOf" srcId="{26B1E085-C0CB-4105-A69D-D06153DC19C2}" destId="{C417F83A-C64D-4762-A125-2E996CE95132}" srcOrd="0" destOrd="0" presId="urn:microsoft.com/office/officeart/2005/8/layout/hierarchy1"/>
-    <dgm:cxn modelId="{ACA65874-D664-4167-B3F9-8BC9FA5B8421}" type="presOf" srcId="{83904B27-1287-4141-BDD0-9F0B6FC7D556}" destId="{8D6DEB88-06C2-4BD1-AFA6-3EC7E17E2E52}" srcOrd="0" destOrd="0" presId="urn:microsoft.com/office/officeart/2005/8/layout/hierarchy1"/>
-    <dgm:cxn modelId="{06046BB9-742C-42B7-AEBD-CCCD6EDDE81F}" type="presOf" srcId="{DD362240-FFC5-4C76-B923-87F8318719ED}" destId="{C244CDFD-82C1-49D0-AF90-89EBB3595CB3}" srcOrd="0" destOrd="0" presId="urn:microsoft.com/office/officeart/2005/8/layout/hierarchy1"/>
-    <dgm:cxn modelId="{26CC1BB2-9D6C-4499-82F5-F40131977B7A}" type="presOf" srcId="{E2B1AF18-9CA8-4D20-B98C-4141B0A0E3AF}" destId="{8E9B99EB-6015-4D9D-9F86-004340378DDD}" srcOrd="0" destOrd="0" presId="urn:microsoft.com/office/officeart/2005/8/layout/hierarchy1"/>
-    <dgm:cxn modelId="{3826AA14-814D-4E5D-92F6-F4F8CDC971B1}" srcId="{4811B24A-D448-4867-8068-658360084CB4}" destId="{E2B1AF18-9CA8-4D20-B98C-4141B0A0E3AF}" srcOrd="1" destOrd="0" parTransId="{DD362240-FFC5-4C76-B923-87F8318719ED}" sibTransId="{7143226E-D5B6-4380-BE92-62FF20EE68C8}"/>
-    <dgm:cxn modelId="{908DEFEA-5B0B-4681-8EF6-CF26D5F4A364}" srcId="{83904B27-1287-4141-BDD0-9F0B6FC7D556}" destId="{4811B24A-D448-4867-8068-658360084CB4}" srcOrd="0" destOrd="0" parTransId="{721C24C2-D799-48FD-AD26-4C508E5F5FC6}" sibTransId="{B8CE5BDF-0CAC-4E44-A1B4-96A14EE72263}"/>
-    <dgm:cxn modelId="{F582A50A-59C4-409F-B70C-15CD654E2340}" srcId="{4811B24A-D448-4867-8068-658360084CB4}" destId="{26B1E085-C0CB-4105-A69D-D06153DC19C2}" srcOrd="0" destOrd="0" parTransId="{B8CD9A51-2454-4D6D-839F-C363D1F4D704}" sibTransId="{202AC5A4-097B-40DA-939D-DAC6C4ECE4F8}"/>
-    <dgm:cxn modelId="{B664A088-951E-46CB-91CC-F7A3AECE18ED}" type="presOf" srcId="{AFFDDA59-7E39-41A3-AAA6-1FA4FC279FDB}" destId="{45BE6A94-F869-4ADF-86C3-0C57CE38132C}" srcOrd="0" destOrd="0" presId="urn:microsoft.com/office/officeart/2005/8/layout/hierarchy1"/>
-    <dgm:cxn modelId="{5A6A9CE8-4635-467E-BE38-23E689561294}" type="presOf" srcId="{5E00E8B0-EBE8-43F6-BFD7-A830394919D1}" destId="{60599D8E-109B-4266-A088-E48E35EF2F2D}" srcOrd="0" destOrd="0" presId="urn:microsoft.com/office/officeart/2005/8/layout/hierarchy1"/>
-    <dgm:cxn modelId="{0DC40894-D2CD-46B4-8086-D4E75C6EC639}" type="presOf" srcId="{4811B24A-D448-4867-8068-658360084CB4}" destId="{30F55B31-36E5-4B25-9FE6-B7D1EC3E7521}" srcOrd="0" destOrd="0" presId="urn:microsoft.com/office/officeart/2005/8/layout/hierarchy1"/>
-    <dgm:cxn modelId="{F3D41769-C6DA-4BD4-87D4-B901A24C635C}" srcId="{BBC079AB-A49A-439A-A644-69D3854BAB76}" destId="{83904B27-1287-4141-BDD0-9F0B6FC7D556}" srcOrd="0" destOrd="0" parTransId="{BEB47B96-EC86-46DB-A905-21054F9233FC}" sibTransId="{63307484-12CC-4E15-8C3A-FAA0775BE26B}"/>
     <dgm:cxn modelId="{FE156019-5A8D-4E93-9ABB-CF7D4ED2C484}" type="presParOf" srcId="{D9C9A19F-1785-4CFC-A46A-91266A6EE4D3}" destId="{B335509C-6969-404D-A798-3E23FF0B1E0D}" srcOrd="0" destOrd="0" presId="urn:microsoft.com/office/officeart/2005/8/layout/hierarchy1"/>
     <dgm:cxn modelId="{4823A246-E464-4AD0-8375-5C0867A8578C}" type="presParOf" srcId="{B335509C-6969-404D-A798-3E23FF0B1E0D}" destId="{EA306900-6237-47D2-A78C-08BD5692EEF0}" srcOrd="0" destOrd="0" presId="urn:microsoft.com/office/officeart/2005/8/layout/hierarchy1"/>
     <dgm:cxn modelId="{13AC5983-17FF-4EC9-B540-6B7AF63BF32D}" type="presParOf" srcId="{EA306900-6237-47D2-A78C-08BD5692EEF0}" destId="{E5D024EA-8021-420E-BBA0-1F1E3956A427}" srcOrd="0" destOrd="0" presId="urn:microsoft.com/office/officeart/2005/8/layout/hierarchy1"/>
@@ -7347,7 +7348,7 @@
             <a:fld id="{7E2BD84F-19EA-924D-9A17-89189D82D265}" type="datetimeFigureOut">
               <a:rPr lang="en-US" smtClean="0"/>
               <a:pPr/>
-              <a:t>4/9/2019</a:t>
+              <a:t>4/11/2019</a:t>
             </a:fld>
             <a:endParaRPr lang="en-US"/>
           </a:p>
@@ -8075,7 +8076,7 @@
                 <a:latin typeface="Times New Roman" pitchFamily="18" charset="0"/>
               </a:rPr>
               <a:pPr/>
-              <a:t>31</a:t>
+              <a:t>32</a:t>
             </a:fld>
             <a:endParaRPr lang="en-US">
               <a:latin typeface="Times New Roman" pitchFamily="18" charset="0"/>
@@ -8185,7 +8186,7 @@
                 <a:latin typeface="Times New Roman" pitchFamily="18" charset="0"/>
               </a:rPr>
               <a:pPr/>
-              <a:t>32</a:t>
+              <a:t>33</a:t>
             </a:fld>
             <a:endParaRPr lang="en-US">
               <a:latin typeface="Times New Roman" pitchFamily="18" charset="0"/>
@@ -8430,9 +8431,9 @@
           <a:bodyPr/>
           <a:lstStyle/>
           <a:p>
-            <a:fld id="{14FB5709-7D0C-4720-ACCD-77C1AAD5F026}" type="datetime1">
+            <a:fld id="{0376BD71-F90B-476B-BC2B-09F91CEDC53E}" type="datetime1">
               <a:rPr lang="en-US" smtClean="0"/>
-              <a:t>4/9/2019</a:t>
+              <a:t>4/12/2019</a:t>
             </a:fld>
             <a:endParaRPr lang="en-US"/>
           </a:p>
@@ -8582,9 +8583,9 @@
           <a:bodyPr/>
           <a:lstStyle/>
           <a:p>
-            <a:fld id="{89CE81C6-C2AE-4F46-90BA-79E2C0D2B6E4}" type="datetime1">
+            <a:fld id="{27829E1A-1EE9-4653-8F58-BCE554DF1225}" type="datetime1">
               <a:rPr lang="en-US" smtClean="0"/>
-              <a:t>4/9/2019</a:t>
+              <a:t>4/12/2019</a:t>
             </a:fld>
             <a:endParaRPr lang="en-US"/>
           </a:p>
@@ -8744,9 +8745,9 @@
           <a:bodyPr/>
           <a:lstStyle/>
           <a:p>
-            <a:fld id="{904B4DE6-8AF4-4156-9686-22BA171A22DB}" type="datetime1">
+            <a:fld id="{74E47711-46C9-4D6C-A22D-28F5A6EA9E4D}" type="datetime1">
               <a:rPr lang="en-US" smtClean="0"/>
-              <a:t>4/9/2019</a:t>
+              <a:t>4/12/2019</a:t>
             </a:fld>
             <a:endParaRPr lang="en-US"/>
           </a:p>
@@ -9022,9 +9023,9 @@
           <a:bodyPr/>
           <a:lstStyle/>
           <a:p>
-            <a:fld id="{D4BB844B-2F52-483B-AA43-3909E1030AA1}" type="datetime1">
+            <a:fld id="{DEE290FA-4C86-4FD3-9D8B-230D04D67937}" type="datetime1">
               <a:rPr lang="en-US" smtClean="0"/>
-              <a:t>4/9/2019</a:t>
+              <a:t>4/12/2019</a:t>
             </a:fld>
             <a:endParaRPr lang="en-US"/>
           </a:p>
@@ -9250,9 +9251,9 @@
           <a:bodyPr/>
           <a:lstStyle/>
           <a:p>
-            <a:fld id="{AA4663EE-A7F5-4694-9086-26A0656A0102}" type="datetime1">
+            <a:fld id="{C48593FE-8F7F-4D16-8541-A84EBD4C63D9}" type="datetime1">
               <a:rPr lang="en-US" smtClean="0"/>
-              <a:t>4/9/2019</a:t>
+              <a:t>4/12/2019</a:t>
             </a:fld>
             <a:endParaRPr lang="en-US"/>
           </a:p>
@@ -9520,9 +9521,9 @@
           <a:bodyPr/>
           <a:lstStyle/>
           <a:p>
-            <a:fld id="{32227DED-D265-4CF4-B4CD-82386A1DAB2C}" type="datetime1">
+            <a:fld id="{D4264999-E764-4161-A174-5251FDFB71F5}" type="datetime1">
               <a:rPr lang="en-US" smtClean="0"/>
-              <a:t>4/9/2019</a:t>
+              <a:t>4/12/2019</a:t>
             </a:fld>
             <a:endParaRPr lang="en-US"/>
           </a:p>
@@ -9924,9 +9925,9 @@
           <a:bodyPr/>
           <a:lstStyle/>
           <a:p>
-            <a:fld id="{E66F6B03-684A-4393-A32D-BCC724003562}" type="datetime1">
+            <a:fld id="{862F465D-DC4A-4875-90C2-9E771CA34E17}" type="datetime1">
               <a:rPr lang="en-US" smtClean="0"/>
-              <a:t>4/9/2019</a:t>
+              <a:t>4/12/2019</a:t>
             </a:fld>
             <a:endParaRPr lang="en-US"/>
           </a:p>
@@ -10024,9 +10025,9 @@
           <a:bodyPr/>
           <a:lstStyle/>
           <a:p>
-            <a:fld id="{6AE529FE-162C-450E-8F6F-84D9A39943C0}" type="datetime1">
+            <a:fld id="{D6EC4C2C-EE1E-42AE-9AF4-31BC3A2A0524}" type="datetime1">
               <a:rPr lang="en-US" smtClean="0"/>
-              <a:t>4/9/2019</a:t>
+              <a:t>4/12/2019</a:t>
             </a:fld>
             <a:endParaRPr lang="en-US"/>
           </a:p>
@@ -10101,9 +10102,9 @@
           <a:bodyPr/>
           <a:lstStyle/>
           <a:p>
-            <a:fld id="{62B66AC0-B0B1-4FB3-942A-17AA80BE9E24}" type="datetime1">
+            <a:fld id="{A0C0F713-F865-4EC7-AB68-15FE6BA05397}" type="datetime1">
               <a:rPr lang="en-US" smtClean="0"/>
-              <a:t>4/9/2019</a:t>
+              <a:t>4/12/2019</a:t>
             </a:fld>
             <a:endParaRPr lang="en-US"/>
           </a:p>
@@ -10360,9 +10361,9 @@
           <a:bodyPr/>
           <a:lstStyle/>
           <a:p>
-            <a:fld id="{1086E2B8-DA14-46E7-8769-3EB271F945F8}" type="datetime1">
+            <a:fld id="{8A41CCB3-215B-44D6-89AE-83203CEF5EDA}" type="datetime1">
               <a:rPr lang="en-US" smtClean="0"/>
-              <a:t>4/9/2019</a:t>
+              <a:t>4/12/2019</a:t>
             </a:fld>
             <a:endParaRPr lang="en-US"/>
           </a:p>
@@ -10595,9 +10596,9 @@
           <a:bodyPr/>
           <a:lstStyle/>
           <a:p>
-            <a:fld id="{D9B8732C-2CD4-4D6C-B08C-C568EAE2556A}" type="datetime1">
+            <a:fld id="{FA42D3A7-31EE-4EC0-A48E-85F3838E029C}" type="datetime1">
               <a:rPr lang="en-US" smtClean="0"/>
-              <a:t>4/9/2019</a:t>
+              <a:t>4/12/2019</a:t>
             </a:fld>
             <a:endParaRPr lang="en-US"/>
           </a:p>
@@ -10790,9 +10791,9 @@
             </a:lvl1pPr>
           </a:lstStyle>
           <a:p>
-            <a:fld id="{A9F86267-5125-49EC-8FC0-6FC2DF7E2D21}" type="datetime1">
+            <a:fld id="{1A578CB5-F997-45B8-A0E2-131F35B6027F}" type="datetime1">
               <a:rPr lang="en-US" smtClean="0"/>
-              <a:t>4/9/2019</a:t>
+              <a:t>4/12/2019</a:t>
             </a:fld>
             <a:endParaRPr lang="en-US"/>
           </a:p>
@@ -11358,16 +11359,7 @@
                 </a:solidFill>
                 <a:latin typeface="Cambria" panose="02040503050406030204" pitchFamily="18" charset="0"/>
               </a:rPr>
-              <a:t>Vanderbilt</a:t>
-            </a:r>
-            <a:r>
-              <a:rPr lang="en-US" sz="2000" dirty="0" smtClean="0">
-                <a:solidFill>
-                  <a:srgbClr val="4F1201"/>
-                </a:solidFill>
-                <a:latin typeface="Cambria" panose="02040503050406030204" pitchFamily="18" charset="0"/>
-              </a:rPr>
-              <a:t> University</a:t>
+              <a:t>Vanderbilt University</a:t>
             </a:r>
           </a:p>
           <a:p>
@@ -11401,16 +11393,7 @@
                 </a:solidFill>
                 <a:latin typeface="Cambria" panose="02040503050406030204" pitchFamily="18" charset="0"/>
               </a:rPr>
-              <a:t>Uttam.ghosh</a:t>
-            </a:r>
-            <a:r>
-              <a:rPr lang="en-GB" sz="2000" i="1" dirty="0" smtClean="0">
-                <a:solidFill>
-                  <a:srgbClr val="4F1201"/>
-                </a:solidFill>
-                <a:latin typeface="Cambria" panose="02040503050406030204" pitchFamily="18" charset="0"/>
-              </a:rPr>
-              <a:t>@vanderbilt.edu</a:t>
+              <a:t>Uttam.ghosh@vanderbilt.edu</a:t>
             </a:r>
             <a:endParaRPr lang="en-US" sz="2000" i="1" dirty="0" smtClean="0">
               <a:solidFill>
@@ -14850,14 +14833,7 @@
                 <a:latin typeface="Times New Roman" pitchFamily="18" charset="0"/>
                 <a:cs typeface="Times New Roman" pitchFamily="18" charset="0"/>
               </a:rPr>
-              <a:t> Countermeasures- </a:t>
-            </a:r>
-            <a:r>
-              <a:rPr lang="en-US" sz="2400" dirty="0" smtClean="0">
-                <a:latin typeface="Times New Roman" pitchFamily="18" charset="0"/>
-                <a:cs typeface="Times New Roman" pitchFamily="18" charset="0"/>
-              </a:rPr>
-              <a:t>Overview</a:t>
+              <a:t> Countermeasures- Overview</a:t>
             </a:r>
           </a:p>
           <a:p>
@@ -14877,10 +14853,6 @@
               </a:rPr>
               <a:t> </a:t>
             </a:r>
-            <a:endParaRPr lang="en-US" sz="2400" dirty="0" smtClean="0">
-              <a:latin typeface="Times New Roman" pitchFamily="18" charset="0"/>
-              <a:cs typeface="Times New Roman" pitchFamily="18" charset="0"/>
-            </a:endParaRPr>
           </a:p>
           <a:p>
             <a:pPr marL="0" indent="0" algn="just">
@@ -14898,10 +14870,6 @@
               </a:rPr>
               <a:t>Cryptography</a:t>
             </a:r>
-            <a:endParaRPr lang="en-US" sz="2400" dirty="0" smtClean="0">
-              <a:latin typeface="Times New Roman" pitchFamily="18" charset="0"/>
-              <a:cs typeface="Times New Roman" pitchFamily="18" charset="0"/>
-            </a:endParaRPr>
           </a:p>
           <a:p>
             <a:pPr lvl="1">
@@ -14981,14 +14949,7 @@
                 <a:latin typeface="Times New Roman" pitchFamily="18" charset="0"/>
                 <a:cs typeface="Times New Roman" pitchFamily="18" charset="0"/>
               </a:rPr>
-              <a:t>Integrity </a:t>
-            </a:r>
-            <a:r>
-              <a:rPr lang="en-US" sz="2400" dirty="0" smtClean="0">
-                <a:latin typeface="Times New Roman" pitchFamily="18" charset="0"/>
-                <a:cs typeface="Times New Roman" pitchFamily="18" charset="0"/>
-              </a:rPr>
-              <a:t>&amp; Authentication</a:t>
+              <a:t>Integrity &amp; Authentication</a:t>
             </a:r>
           </a:p>
           <a:p>
@@ -15022,19 +14983,8 @@
                 <a:latin typeface="Times New Roman" pitchFamily="18" charset="0"/>
                 <a:cs typeface="Times New Roman" pitchFamily="18" charset="0"/>
               </a:rPr>
-              <a:t> Message Authentication Code (MAC</a:t>
-            </a:r>
-            <a:r>
-              <a:rPr lang="en-US" sz="2400" dirty="0" smtClean="0">
-                <a:latin typeface="Times New Roman" pitchFamily="18" charset="0"/>
-                <a:cs typeface="Times New Roman" pitchFamily="18" charset="0"/>
-              </a:rPr>
-              <a:t>)</a:t>
-            </a:r>
-            <a:endParaRPr lang="en-US" sz="2400" dirty="0" smtClean="0">
-              <a:latin typeface="Times New Roman" pitchFamily="18" charset="0"/>
-              <a:cs typeface="Times New Roman" pitchFamily="18" charset="0"/>
-            </a:endParaRPr>
+              <a:t> Message Authentication Code (MAC)</a:t>
+            </a:r>
           </a:p>
         </p:txBody>
       </p:sp>
@@ -21338,6 +21288,219 @@
       </p:grpSpPr>
       <p:sp>
         <p:nvSpPr>
+          <p:cNvPr id="35842" name="Title 1"/>
+          <p:cNvSpPr>
+            <a:spLocks noGrp="1"/>
+          </p:cNvSpPr>
+          <p:nvPr>
+            <p:ph type="title"/>
+          </p:nvPr>
+        </p:nvSpPr>
+        <p:spPr>
+          <a:xfrm>
+            <a:off x="221226" y="221225"/>
+            <a:ext cx="8922774" cy="693175"/>
+          </a:xfrm>
+        </p:spPr>
+        <p:txBody>
+          <a:bodyPr>
+            <a:normAutofit/>
+          </a:bodyPr>
+          <a:lstStyle/>
+          <a:p>
+            <a:pPr algn="l">
+              <a:defRPr/>
+            </a:pPr>
+            <a:r>
+              <a:rPr lang="en-US" sz="3200" dirty="0" smtClean="0">
+                <a:solidFill>
+                  <a:srgbClr val="4F1201"/>
+                </a:solidFill>
+                <a:effectLst>
+                  <a:outerShdw blurRad="38100" dist="38100" dir="2700000" algn="tl">
+                    <a:srgbClr val="000000">
+                      <a:alpha val="43137"/>
+                    </a:srgbClr>
+                  </a:outerShdw>
+                </a:effectLst>
+                <a:latin typeface="Cambria" pitchFamily="18" charset="0"/>
+              </a:rPr>
+              <a:t>Digital Signature</a:t>
+            </a:r>
+          </a:p>
+        </p:txBody>
+      </p:sp>
+      <p:pic>
+        <p:nvPicPr>
+          <p:cNvPr id="1026" name="Picture 2"/>
+          <p:cNvPicPr>
+            <a:picLocks noChangeAspect="1" noChangeArrowheads="1"/>
+          </p:cNvPicPr>
+          <p:nvPr/>
+        </p:nvPicPr>
+        <p:blipFill>
+          <a:blip r:embed="rId2"/>
+          <a:srcRect/>
+          <a:stretch>
+            <a:fillRect/>
+          </a:stretch>
+        </p:blipFill>
+        <p:spPr bwMode="auto">
+          <a:xfrm>
+            <a:off x="833438" y="1276349"/>
+            <a:ext cx="7538051" cy="4824905"/>
+          </a:xfrm>
+          <a:prstGeom prst="rect">
+            <a:avLst/>
+          </a:prstGeom>
+          <a:noFill/>
+          <a:ln w="9525">
+            <a:noFill/>
+            <a:miter lim="800000"/>
+            <a:headEnd/>
+            <a:tailEnd/>
+          </a:ln>
+          <a:effectLst/>
+        </p:spPr>
+      </p:pic>
+      <p:grpSp>
+        <p:nvGrpSpPr>
+          <p:cNvPr id="12" name="Group 11"/>
+          <p:cNvGrpSpPr/>
+          <p:nvPr/>
+        </p:nvGrpSpPr>
+        <p:grpSpPr>
+          <a:xfrm>
+            <a:off x="-1" y="14748"/>
+            <a:ext cx="9144001" cy="6858000"/>
+            <a:chOff x="-1" y="14748"/>
+            <a:chExt cx="9144001" cy="6858000"/>
+          </a:xfrm>
+        </p:grpSpPr>
+        <p:sp>
+          <p:nvSpPr>
+            <p:cNvPr id="13" name="Rectangle 12"/>
+            <p:cNvSpPr/>
+            <p:nvPr/>
+          </p:nvSpPr>
+          <p:spPr>
+            <a:xfrm>
+              <a:off x="221226" y="14748"/>
+              <a:ext cx="8922774" cy="206477"/>
+            </a:xfrm>
+            <a:prstGeom prst="rect">
+              <a:avLst/>
+            </a:prstGeom>
+            <a:solidFill>
+              <a:srgbClr val="FFFF00"/>
+            </a:solidFill>
+            <a:ln/>
+          </p:spPr>
+          <p:style>
+            <a:lnRef idx="0">
+              <a:schemeClr val="accent5"/>
+            </a:lnRef>
+            <a:fillRef idx="3">
+              <a:schemeClr val="accent5"/>
+            </a:fillRef>
+            <a:effectRef idx="3">
+              <a:schemeClr val="accent5"/>
+            </a:effectRef>
+            <a:fontRef idx="minor">
+              <a:schemeClr val="lt1"/>
+            </a:fontRef>
+          </p:style>
+          <p:txBody>
+            <a:bodyPr rtlCol="0" anchor="ctr"/>
+            <a:lstStyle/>
+            <a:p>
+              <a:pPr algn="ctr"/>
+              <a:endParaRPr lang="en-US"/>
+            </a:p>
+          </p:txBody>
+        </p:sp>
+        <p:sp>
+          <p:nvSpPr>
+            <p:cNvPr id="14" name="Rectangle 13"/>
+            <p:cNvSpPr/>
+            <p:nvPr/>
+          </p:nvSpPr>
+          <p:spPr>
+            <a:xfrm flipH="1">
+              <a:off x="-1" y="14748"/>
+              <a:ext cx="221226" cy="6858000"/>
+            </a:xfrm>
+            <a:prstGeom prst="rect">
+              <a:avLst/>
+            </a:prstGeom>
+            <a:solidFill>
+              <a:srgbClr val="FFFF00"/>
+            </a:solidFill>
+            <a:ln/>
+          </p:spPr>
+          <p:style>
+            <a:lnRef idx="0">
+              <a:schemeClr val="accent5"/>
+            </a:lnRef>
+            <a:fillRef idx="3">
+              <a:schemeClr val="accent5"/>
+            </a:fillRef>
+            <a:effectRef idx="3">
+              <a:schemeClr val="accent5"/>
+            </a:effectRef>
+            <a:fontRef idx="minor">
+              <a:schemeClr val="lt1"/>
+            </a:fontRef>
+          </p:style>
+          <p:txBody>
+            <a:bodyPr rtlCol="0" anchor="ctr"/>
+            <a:lstStyle/>
+            <a:p>
+              <a:pPr algn="ctr"/>
+              <a:endParaRPr lang="en-US"/>
+            </a:p>
+          </p:txBody>
+        </p:sp>
+      </p:grpSp>
+    </p:spTree>
+    <p:extLst>
+      <p:ext uri="{BB962C8B-B14F-4D97-AF65-F5344CB8AC3E}">
+        <p14:creationId xmlns:p14="http://schemas.microsoft.com/office/powerpoint/2010/main" val="1436976096"/>
+      </p:ext>
+    </p:extLst>
+  </p:cSld>
+  <p:clrMapOvr>
+    <a:masterClrMapping/>
+  </p:clrMapOvr>
+  <p:timing>
+    <p:tnLst>
+      <p:par>
+        <p:cTn id="1" dur="indefinite" restart="never" nodeType="tmRoot"/>
+      </p:par>
+    </p:tnLst>
+  </p:timing>
+</p:sld>
+</file>
+
+<file path=ppt/slides/slide32.xml><?xml version="1.0" encoding="utf-8"?>
+<p:sld xmlns:a="http://schemas.openxmlformats.org/drawingml/2006/main" xmlns:r="http://schemas.openxmlformats.org/officeDocument/2006/relationships" xmlns:p="http://schemas.openxmlformats.org/presentationml/2006/main">
+  <p:cSld>
+    <p:spTree>
+      <p:nvGrpSpPr>
+        <p:cNvPr id="1" name=""/>
+        <p:cNvGrpSpPr/>
+        <p:nvPr/>
+      </p:nvGrpSpPr>
+      <p:grpSpPr>
+        <a:xfrm>
+          <a:off x="0" y="0"/>
+          <a:ext cx="0" cy="0"/>
+          <a:chOff x="0" y="0"/>
+          <a:chExt cx="0" cy="0"/>
+        </a:xfrm>
+      </p:grpSpPr>
+      <p:sp>
+        <p:nvSpPr>
           <p:cNvPr id="13314" name="Shape 558081"/>
           <p:cNvSpPr>
             <a:spLocks noGrp="1" noChangeArrowheads="1"/>
@@ -21687,7 +21850,7 @@
 </p:sld>
 </file>
 
-<file path=ppt/slides/slide32.xml><?xml version="1.0" encoding="utf-8"?>
+<file path=ppt/slides/slide33.xml><?xml version="1.0" encoding="utf-8"?>
 <p:sld xmlns:a="http://schemas.openxmlformats.org/drawingml/2006/main" xmlns:r="http://schemas.openxmlformats.org/officeDocument/2006/relationships" xmlns:p="http://schemas.openxmlformats.org/presentationml/2006/main">
   <p:cSld>
     <p:spTree>
@@ -22065,7 +22228,7 @@
 </p:sld>
 </file>
 
-<file path=ppt/slides/slide33.xml><?xml version="1.0" encoding="utf-8"?>
+<file path=ppt/slides/slide34.xml><?xml version="1.0" encoding="utf-8"?>
 <p:sld xmlns:a="http://schemas.openxmlformats.org/drawingml/2006/main" xmlns:r="http://schemas.openxmlformats.org/officeDocument/2006/relationships" xmlns:p="http://schemas.openxmlformats.org/presentationml/2006/main">
   <p:cSld>
     <p:spTree>
@@ -23175,37 +23338,8 @@
                 </a:effectLst>
                 <a:latin typeface="Cambria" pitchFamily="18" charset="0"/>
               </a:rPr>
-              <a:t>Security </a:t>
-            </a:r>
-            <a:r>
-              <a:rPr lang="en-US" sz="3200" dirty="0" smtClean="0">
-                <a:solidFill>
-                  <a:srgbClr val="5C2C04"/>
-                </a:solidFill>
-                <a:effectLst>
-                  <a:outerShdw blurRad="38100" dist="38100" dir="2700000" algn="tl">
-                    <a:srgbClr val="000000">
-                      <a:alpha val="43137"/>
-                    </a:srgbClr>
-                  </a:outerShdw>
-                </a:effectLst>
-                <a:latin typeface="Cambria" pitchFamily="18" charset="0"/>
-              </a:rPr>
-              <a:t>Objectives II</a:t>
-            </a:r>
-            <a:endParaRPr lang="en-US" sz="3200" dirty="0" smtClean="0">
-              <a:solidFill>
-                <a:srgbClr val="5C2C04"/>
-              </a:solidFill>
-              <a:effectLst>
-                <a:outerShdw blurRad="38100" dist="38100" dir="2700000" algn="tl">
-                  <a:srgbClr val="000000">
-                    <a:alpha val="43137"/>
-                  </a:srgbClr>
-                </a:outerShdw>
-              </a:effectLst>
-              <a:latin typeface="Cambria" pitchFamily="18" charset="0"/>
-            </a:endParaRPr>
+              <a:t>Security Objectives II</a:t>
+            </a:r>
           </a:p>
         </p:txBody>
       </p:sp>
